--- a/server_app/my_project.pptx
+++ b/server_app/my_project.pptx
@@ -1157,18 +1157,6 @@
           <a:bodyPr/>
           <a:lstStyle/>
           <a:p>
-            <a:r>
-              <a:rPr lang="en-US" dirty="0" smtClean="0"/>
-              <a:t>Clear </a:t>
-            </a:r>
-            <a:r>
-              <a:rPr lang="en-US" smtClean="0"/>
-              <a:t>browser</a:t>
-            </a:r>
-            <a:r>
-              <a:rPr lang="en-US" baseline="0" smtClean="0"/>
-              <a:t> cache</a:t>
-            </a:r>
             <a:endParaRPr lang="en-US" dirty="0"/>
           </a:p>
         </p:txBody>
@@ -1260,9 +1248,49 @@
           <a:lstStyle/>
           <a:p>
             <a:r>
+              <a:rPr lang="en-US" dirty="0" smtClean="0"/>
+              <a:t>Why useful to have a timeout?</a:t>
+            </a:r>
+          </a:p>
+          <a:p>
+            <a:endParaRPr lang="en-US" dirty="0" smtClean="0"/>
+          </a:p>
+          <a:p>
+            <a:r>
+              <a:rPr lang="en-US" dirty="0" smtClean="0"/>
+              <a:t>Why useful to delete old</a:t>
+            </a:r>
+            <a:r>
               <a:rPr lang="en-US" baseline="0" dirty="0" smtClean="0"/>
-              <a:t>Keep it</a:t>
-            </a:r>
+              <a:t> projects</a:t>
+            </a:r>
+            <a:r>
+              <a:rPr lang="en-US" baseline="0" dirty="0" smtClean="0"/>
+              <a:t>?</a:t>
+            </a:r>
+          </a:p>
+          <a:p>
+            <a:endParaRPr lang="en-US" baseline="0" dirty="0" smtClean="0"/>
+          </a:p>
+          <a:p>
+            <a:r>
+              <a:rPr lang="en-US" dirty="0" smtClean="0"/>
+              <a:t>Now after all that is achieved,</a:t>
+            </a:r>
+            <a:r>
+              <a:rPr lang="en-US" baseline="0" dirty="0" smtClean="0"/>
+              <a:t> we moved to the next step to see if dynamic interaction was possible between the user and the service. Talk about Eiffel Web Sockets, relatively new.</a:t>
+            </a:r>
+          </a:p>
+          <a:p>
+            <a:r>
+              <a:rPr lang="en-US" baseline="0" dirty="0" smtClean="0"/>
+              <a:t>First give a demo and then show the slide.</a:t>
+            </a:r>
+            <a:endParaRPr lang="en-US" dirty="0" smtClean="0"/>
+          </a:p>
+          <a:p>
+            <a:endParaRPr lang="en-US" baseline="0" dirty="0" smtClean="0"/>
           </a:p>
         </p:txBody>
       </p:sp>
@@ -1284,7 +1312,7 @@
             <a:fld id="{FE4620FC-5404-4E8D-AA15-7C685E11D267}" type="slidenum">
               <a:rPr lang="en-GB" smtClean="0"/>
               <a:pPr/>
-              <a:t>11</a:t>
+              <a:t>10</a:t>
             </a:fld>
             <a:endParaRPr lang="en-GB"/>
           </a:p>
@@ -1293,7 +1321,7 @@
     </p:spTree>
     <p:extLst>
       <p:ext uri="{BB962C8B-B14F-4D97-AF65-F5344CB8AC3E}">
-        <p14:creationId xmlns:p14="http://schemas.microsoft.com/office/powerpoint/2010/main" val="1672140328"/>
+        <p14:creationId xmlns:p14="http://schemas.microsoft.com/office/powerpoint/2010/main" val="1532107768"/>
       </p:ext>
     </p:extLst>
   </p:cSld>
@@ -1353,35 +1381,9 @@
           <a:lstStyle/>
           <a:p>
             <a:r>
-              <a:rPr lang="en-US" dirty="0" smtClean="0"/>
-              <a:t>Talk about Nino as a standalone</a:t>
-            </a:r>
-            <a:r>
               <a:rPr lang="en-US" baseline="0" dirty="0" smtClean="0"/>
-              <a:t> built in web server in EWS, and good for development and debugging, but doesn’t support concurrency.</a:t>
-            </a:r>
-          </a:p>
-          <a:p>
-            <a:r>
-              <a:rPr lang="en-US" baseline="0" dirty="0" smtClean="0"/>
-              <a:t>So we had to use </a:t>
-            </a:r>
-            <a:r>
-              <a:rPr lang="en-US" baseline="0" dirty="0" err="1" smtClean="0"/>
-              <a:t>fastCGI+Apache</a:t>
-            </a:r>
-            <a:endParaRPr lang="en-US" baseline="0" dirty="0" smtClean="0"/>
-          </a:p>
-          <a:p>
-            <a:r>
-              <a:rPr lang="en-US" baseline="0" dirty="0" smtClean="0"/>
-              <a:t>Web sockets were good with Nino, but EWF does not support it with </a:t>
-            </a:r>
-            <a:r>
-              <a:rPr lang="en-US" baseline="0" dirty="0" err="1" smtClean="0"/>
-              <a:t>libfcgi</a:t>
-            </a:r>
-            <a:endParaRPr lang="en-US" dirty="0"/>
+              <a:t>Keep it</a:t>
+            </a:r>
           </a:p>
         </p:txBody>
       </p:sp>
@@ -1403,7 +1405,7 @@
             <a:fld id="{FE4620FC-5404-4E8D-AA15-7C685E11D267}" type="slidenum">
               <a:rPr lang="en-GB" smtClean="0"/>
               <a:pPr/>
-              <a:t>12</a:t>
+              <a:t>11</a:t>
             </a:fld>
             <a:endParaRPr lang="en-GB"/>
           </a:p>
@@ -1412,7 +1414,7 @@
     </p:spTree>
     <p:extLst>
       <p:ext uri="{BB962C8B-B14F-4D97-AF65-F5344CB8AC3E}">
-        <p14:creationId xmlns:p14="http://schemas.microsoft.com/office/powerpoint/2010/main" val="1709150358"/>
+        <p14:creationId xmlns:p14="http://schemas.microsoft.com/office/powerpoint/2010/main" val="1672140328"/>
       </p:ext>
     </p:extLst>
   </p:cSld>
@@ -1471,6 +1473,35 @@
           <a:bodyPr/>
           <a:lstStyle/>
           <a:p>
+            <a:r>
+              <a:rPr lang="en-US" dirty="0" smtClean="0"/>
+              <a:t>Talk about Nino as a standalone</a:t>
+            </a:r>
+            <a:r>
+              <a:rPr lang="en-US" baseline="0" dirty="0" smtClean="0"/>
+              <a:t> built in web server in EWS, and good for development and debugging, but doesn’t support concurrency.</a:t>
+            </a:r>
+          </a:p>
+          <a:p>
+            <a:r>
+              <a:rPr lang="en-US" baseline="0" dirty="0" smtClean="0"/>
+              <a:t>So we had to use </a:t>
+            </a:r>
+            <a:r>
+              <a:rPr lang="en-US" baseline="0" dirty="0" err="1" smtClean="0"/>
+              <a:t>fastCGI+Apache</a:t>
+            </a:r>
+            <a:endParaRPr lang="en-US" baseline="0" dirty="0" smtClean="0"/>
+          </a:p>
+          <a:p>
+            <a:r>
+              <a:rPr lang="en-US" baseline="0" dirty="0" smtClean="0"/>
+              <a:t>Web sockets were good with Nino, but EWF does not support it with </a:t>
+            </a:r>
+            <a:r>
+              <a:rPr lang="en-US" baseline="0" dirty="0" err="1" smtClean="0"/>
+              <a:t>libfcgi</a:t>
+            </a:r>
             <a:endParaRPr lang="en-US" dirty="0"/>
           </a:p>
         </p:txBody>
@@ -1493,7 +1524,7 @@
             <a:fld id="{FE4620FC-5404-4E8D-AA15-7C685E11D267}" type="slidenum">
               <a:rPr lang="en-GB" smtClean="0"/>
               <a:pPr/>
-              <a:t>13</a:t>
+              <a:t>12</a:t>
             </a:fld>
             <a:endParaRPr lang="en-GB"/>
           </a:p>
@@ -1502,7 +1533,7 @@
     </p:spTree>
     <p:extLst>
       <p:ext uri="{BB962C8B-B14F-4D97-AF65-F5344CB8AC3E}">
-        <p14:creationId xmlns:p14="http://schemas.microsoft.com/office/powerpoint/2010/main" val="1288138321"/>
+        <p14:creationId xmlns:p14="http://schemas.microsoft.com/office/powerpoint/2010/main" val="1709150358"/>
       </p:ext>
     </p:extLst>
   </p:cSld>
@@ -1561,71 +1592,6 @@
           <a:bodyPr/>
           <a:lstStyle/>
           <a:p>
-            <a:r>
-              <a:rPr lang="en-US" dirty="0" smtClean="0"/>
-              <a:t>Say 1-2 lines about everything</a:t>
-            </a:r>
-          </a:p>
-          <a:p>
-            <a:pPr marL="228600" indent="-228600">
-              <a:buAutoNum type="arabicPeriod"/>
-            </a:pPr>
-            <a:r>
-              <a:rPr lang="en-US" baseline="0" dirty="0" smtClean="0"/>
-              <a:t>Design by contract – learnt and used a lot of preconditions, </a:t>
-            </a:r>
-            <a:r>
-              <a:rPr lang="en-US" baseline="0" dirty="0" err="1" smtClean="0"/>
-              <a:t>postconditions</a:t>
-            </a:r>
-            <a:endParaRPr lang="en-US" baseline="0" dirty="0" smtClean="0"/>
-          </a:p>
-          <a:p>
-            <a:pPr marL="228600" indent="-228600">
-              <a:buAutoNum type="arabicPeriod"/>
-            </a:pPr>
-            <a:r>
-              <a:rPr lang="en-US" baseline="0" dirty="0" smtClean="0"/>
-              <a:t>Framework and its working</a:t>
-            </a:r>
-          </a:p>
-          <a:p>
-            <a:pPr marL="228600" indent="-228600">
-              <a:buAutoNum type="arabicPeriod"/>
-            </a:pPr>
-            <a:r>
-              <a:rPr lang="en-US" baseline="0" dirty="0" smtClean="0"/>
-              <a:t>http response, request, web sockets</a:t>
-            </a:r>
-          </a:p>
-          <a:p>
-            <a:pPr marL="228600" indent="-228600">
-              <a:buAutoNum type="arabicPeriod"/>
-            </a:pPr>
-            <a:r>
-              <a:rPr lang="en-US" baseline="0" dirty="0" smtClean="0"/>
-              <a:t>Unit testing using </a:t>
-            </a:r>
-            <a:r>
-              <a:rPr lang="en-US" baseline="0" dirty="0" err="1" smtClean="0"/>
-              <a:t>autotest</a:t>
-            </a:r>
-            <a:endParaRPr lang="en-US" baseline="0" dirty="0" smtClean="0"/>
-          </a:p>
-          <a:p>
-            <a:pPr marL="0" indent="0">
-              <a:buNone/>
-            </a:pPr>
-            <a:endParaRPr lang="en-US" baseline="0" dirty="0" smtClean="0"/>
-          </a:p>
-          <a:p>
-            <a:pPr marL="0" indent="0">
-              <a:buNone/>
-            </a:pPr>
-            <a:r>
-              <a:rPr lang="en-US" baseline="0" dirty="0" smtClean="0"/>
-              <a:t>Add sprint 2 as well (depends on time)</a:t>
-            </a:r>
             <a:endParaRPr lang="en-US" dirty="0"/>
           </a:p>
         </p:txBody>
@@ -1648,7 +1614,7 @@
             <a:fld id="{FE4620FC-5404-4E8D-AA15-7C685E11D267}" type="slidenum">
               <a:rPr lang="en-GB" smtClean="0"/>
               <a:pPr/>
-              <a:t>14</a:t>
+              <a:t>13</a:t>
             </a:fld>
             <a:endParaRPr lang="en-GB"/>
           </a:p>
@@ -1657,7 +1623,7 @@
     </p:spTree>
     <p:extLst>
       <p:ext uri="{BB962C8B-B14F-4D97-AF65-F5344CB8AC3E}">
-        <p14:creationId xmlns:p14="http://schemas.microsoft.com/office/powerpoint/2010/main" val="2408684650"/>
+        <p14:creationId xmlns:p14="http://schemas.microsoft.com/office/powerpoint/2010/main" val="1288138321"/>
       </p:ext>
     </p:extLst>
   </p:cSld>
@@ -1718,6 +1684,161 @@
           <a:p>
             <a:r>
               <a:rPr lang="en-US" dirty="0" smtClean="0"/>
+              <a:t>Say 1-2 lines about everything</a:t>
+            </a:r>
+          </a:p>
+          <a:p>
+            <a:pPr marL="228600" indent="-228600">
+              <a:buAutoNum type="arabicPeriod"/>
+            </a:pPr>
+            <a:r>
+              <a:rPr lang="en-US" baseline="0" dirty="0" smtClean="0"/>
+              <a:t>Design by contract – learnt and used a lot of preconditions, </a:t>
+            </a:r>
+            <a:r>
+              <a:rPr lang="en-US" baseline="0" dirty="0" err="1" smtClean="0"/>
+              <a:t>postconditions</a:t>
+            </a:r>
+            <a:endParaRPr lang="en-US" baseline="0" dirty="0" smtClean="0"/>
+          </a:p>
+          <a:p>
+            <a:pPr marL="228600" indent="-228600">
+              <a:buAutoNum type="arabicPeriod"/>
+            </a:pPr>
+            <a:r>
+              <a:rPr lang="en-US" baseline="0" dirty="0" smtClean="0"/>
+              <a:t>Framework and its working</a:t>
+            </a:r>
+          </a:p>
+          <a:p>
+            <a:pPr marL="228600" indent="-228600">
+              <a:buAutoNum type="arabicPeriod"/>
+            </a:pPr>
+            <a:r>
+              <a:rPr lang="en-US" baseline="0" dirty="0" smtClean="0"/>
+              <a:t>http response, request, web sockets</a:t>
+            </a:r>
+          </a:p>
+          <a:p>
+            <a:pPr marL="228600" indent="-228600">
+              <a:buAutoNum type="arabicPeriod"/>
+            </a:pPr>
+            <a:r>
+              <a:rPr lang="en-US" baseline="0" dirty="0" smtClean="0"/>
+              <a:t>Unit testing using </a:t>
+            </a:r>
+            <a:r>
+              <a:rPr lang="en-US" baseline="0" dirty="0" err="1" smtClean="0"/>
+              <a:t>autotest</a:t>
+            </a:r>
+            <a:endParaRPr lang="en-US" baseline="0" dirty="0" smtClean="0"/>
+          </a:p>
+          <a:p>
+            <a:pPr marL="0" indent="0">
+              <a:buNone/>
+            </a:pPr>
+            <a:endParaRPr lang="en-US" baseline="0" dirty="0" smtClean="0"/>
+          </a:p>
+          <a:p>
+            <a:pPr marL="0" indent="0">
+              <a:buNone/>
+            </a:pPr>
+            <a:r>
+              <a:rPr lang="en-US" baseline="0" dirty="0" smtClean="0"/>
+              <a:t>Add sprint 2 as well (depends on time)</a:t>
+            </a:r>
+            <a:endParaRPr lang="en-US" dirty="0"/>
+          </a:p>
+        </p:txBody>
+      </p:sp>
+      <p:sp>
+        <p:nvSpPr>
+          <p:cNvPr id="4" name="Slide Number Placeholder 3"/>
+          <p:cNvSpPr>
+            <a:spLocks noGrp="1"/>
+          </p:cNvSpPr>
+          <p:nvPr>
+            <p:ph type="sldNum" idx="10"/>
+          </p:nvPr>
+        </p:nvSpPr>
+        <p:spPr/>
+        <p:txBody>
+          <a:bodyPr/>
+          <a:lstStyle/>
+          <a:p>
+            <a:fld id="{FE4620FC-5404-4E8D-AA15-7C685E11D267}" type="slidenum">
+              <a:rPr lang="en-GB" smtClean="0"/>
+              <a:pPr/>
+              <a:t>14</a:t>
+            </a:fld>
+            <a:endParaRPr lang="en-GB"/>
+          </a:p>
+        </p:txBody>
+      </p:sp>
+    </p:spTree>
+    <p:extLst>
+      <p:ext uri="{BB962C8B-B14F-4D97-AF65-F5344CB8AC3E}">
+        <p14:creationId xmlns:p14="http://schemas.microsoft.com/office/powerpoint/2010/main" val="2408684650"/>
+      </p:ext>
+    </p:extLst>
+  </p:cSld>
+  <p:clrMapOvr>
+    <a:masterClrMapping/>
+  </p:clrMapOvr>
+</p:notes>
+</file>
+
+<file path=ppt/notesSlides/notesSlide15.xml><?xml version="1.0" encoding="utf-8"?>
+<p:notes xmlns:a="http://schemas.openxmlformats.org/drawingml/2006/main" xmlns:r="http://schemas.openxmlformats.org/officeDocument/2006/relationships" xmlns:p="http://schemas.openxmlformats.org/presentationml/2006/main">
+  <p:cSld>
+    <p:spTree>
+      <p:nvGrpSpPr>
+        <p:cNvPr id="1" name=""/>
+        <p:cNvGrpSpPr/>
+        <p:nvPr/>
+      </p:nvGrpSpPr>
+      <p:grpSpPr>
+        <a:xfrm>
+          <a:off x="0" y="0"/>
+          <a:ext cx="0" cy="0"/>
+          <a:chOff x="0" y="0"/>
+          <a:chExt cx="0" cy="0"/>
+        </a:xfrm>
+      </p:grpSpPr>
+      <p:sp>
+        <p:nvSpPr>
+          <p:cNvPr id="2" name="Slide Image Placeholder 1"/>
+          <p:cNvSpPr>
+            <a:spLocks noGrp="1" noRot="1" noChangeAspect="1"/>
+          </p:cNvSpPr>
+          <p:nvPr>
+            <p:ph type="sldImg"/>
+          </p:nvPr>
+        </p:nvSpPr>
+        <p:spPr>
+          <a:xfrm>
+            <a:off x="931863" y="741363"/>
+            <a:ext cx="4930775" cy="3698875"/>
+          </a:xfrm>
+        </p:spPr>
+      </p:sp>
+      <p:sp>
+        <p:nvSpPr>
+          <p:cNvPr id="3" name="Notes Placeholder 2"/>
+          <p:cNvSpPr>
+            <a:spLocks noGrp="1"/>
+          </p:cNvSpPr>
+          <p:nvPr>
+            <p:ph type="body" idx="1"/>
+          </p:nvPr>
+        </p:nvSpPr>
+        <p:spPr/>
+        <p:txBody>
+          <a:bodyPr/>
+          <a:lstStyle/>
+          <a:p>
+            <a:r>
+              <a:rPr lang="en-US" dirty="0" smtClean="0"/>
               <a:t>Describe the </a:t>
             </a:r>
             <a:r>
@@ -1801,7 +1922,7 @@
 </p:notes>
 </file>
 
-<file path=ppt/notesSlides/notesSlide15.xml><?xml version="1.0" encoding="utf-8"?>
+<file path=ppt/notesSlides/notesSlide16.xml><?xml version="1.0" encoding="utf-8"?>
 <p:notes xmlns:a="http://schemas.openxmlformats.org/drawingml/2006/main" xmlns:r="http://schemas.openxmlformats.org/officeDocument/2006/relationships" xmlns:p="http://schemas.openxmlformats.org/presentationml/2006/main">
   <p:cSld>
     <p:spTree>
@@ -1942,54 +2063,34 @@
           <a:p>
             <a:r>
               <a:rPr lang="en-US" dirty="0" smtClean="0"/>
-              <a:t>All Eiffel commands are a standalone service (like Compilation, Execution, </a:t>
-            </a:r>
-            <a:r>
-              <a:rPr lang="en-US" dirty="0" err="1" smtClean="0"/>
-              <a:t>etc</a:t>
-            </a:r>
-            <a:r>
-              <a:rPr lang="en-US" dirty="0" smtClean="0"/>
-              <a:t>).</a:t>
-            </a:r>
-          </a:p>
-          <a:p>
-            <a:pPr marL="0" marR="0" indent="0" algn="l" defTabSz="457200" rtl="0" eaLnBrk="1" fontAlgn="base" latinLnBrk="0" hangingPunct="1">
-              <a:lnSpc>
-                <a:spcPct val="100000"/>
-              </a:lnSpc>
-              <a:spcBef>
-                <a:spcPct val="30000"/>
-              </a:spcBef>
-              <a:spcAft>
-                <a:spcPct val="0"/>
-              </a:spcAft>
-              <a:buClr>
-                <a:srgbClr val="000000"/>
-              </a:buClr>
-              <a:buSzPct val="100000"/>
-              <a:buFont typeface="Times New Roman" pitchFamily="16" charset="0"/>
-              <a:buNone/>
-              <a:tabLst/>
-              <a:defRPr/>
-            </a:pPr>
-            <a:r>
-              <a:rPr lang="en-US" dirty="0" smtClean="0"/>
-              <a:t>Both are the latest technology</a:t>
+              <a:t>Clear browser</a:t>
             </a:r>
             <a:r>
               <a:rPr lang="en-US" baseline="0" dirty="0" smtClean="0"/>
-              <a:t> in their respective fields, don’t mention about </a:t>
-            </a:r>
-            <a:r>
-              <a:rPr lang="en-US" baseline="0" dirty="0" err="1" smtClean="0"/>
-              <a:t>nodejs</a:t>
-            </a:r>
+              <a:t> cache</a:t>
+            </a:r>
+          </a:p>
+          <a:p>
             <a:r>
               <a:rPr lang="en-US" baseline="0" dirty="0" smtClean="0"/>
-              <a:t>, and other stuff.</a:t>
+              <a:t>Why mantra ? Mantra is a sacred utterance, </a:t>
+            </a:r>
+            <a:r>
+              <a:rPr lang="en-US" sz="1200" b="0" i="0" kern="1200" dirty="0" smtClean="0">
+                <a:solidFill>
+                  <a:srgbClr val="000000"/>
+                </a:solidFill>
+                <a:effectLst/>
+                <a:latin typeface="Times New Roman" pitchFamily="16" charset="0"/>
+                <a:ea typeface="+mn-ea"/>
+                <a:cs typeface="+mn-cs"/>
+              </a:rPr>
+              <a:t>group of words believed by some to have psychological and spiritual power</a:t>
             </a:r>
             <a:endParaRPr lang="en-US" dirty="0" smtClean="0"/>
+          </a:p>
+          <a:p>
+            <a:endParaRPr lang="en-US" dirty="0"/>
           </a:p>
         </p:txBody>
       </p:sp>
@@ -2011,7 +2112,7 @@
             <a:fld id="{FE4620FC-5404-4E8D-AA15-7C685E11D267}" type="slidenum">
               <a:rPr lang="en-GB" smtClean="0"/>
               <a:pPr/>
-              <a:t>3</a:t>
+              <a:t>2</a:t>
             </a:fld>
             <a:endParaRPr lang="en-GB"/>
           </a:p>
@@ -2020,7 +2121,7 @@
     </p:spTree>
     <p:extLst>
       <p:ext uri="{BB962C8B-B14F-4D97-AF65-F5344CB8AC3E}">
-        <p14:creationId xmlns:p14="http://schemas.microsoft.com/office/powerpoint/2010/main" val="102717744"/>
+        <p14:creationId xmlns:p14="http://schemas.microsoft.com/office/powerpoint/2010/main" val="3257356184"/>
       </p:ext>
     </p:extLst>
   </p:cSld>
@@ -2081,21 +2182,73 @@
           <a:p>
             <a:r>
               <a:rPr lang="en-US" dirty="0" smtClean="0"/>
-              <a:t>After</a:t>
+              <a:t>All Eiffel commands are a standalone service (like Compilation, Execution, </a:t>
+            </a:r>
+            <a:r>
+              <a:rPr lang="en-US" dirty="0" err="1" smtClean="0"/>
+              <a:t>etc</a:t>
+            </a:r>
+            <a:r>
+              <a:rPr lang="en-US" dirty="0" smtClean="0"/>
+              <a:t>).</a:t>
+            </a:r>
+          </a:p>
+          <a:p>
+            <a:r>
+              <a:rPr lang="en-US" smtClean="0"/>
+              <a:t>Scalability :</a:t>
+            </a:r>
+            <a:r>
+              <a:rPr lang="en-US" sz="1200" b="0" i="0" kern="1200" smtClean="0">
+                <a:solidFill>
+                  <a:srgbClr val="000000"/>
+                </a:solidFill>
+                <a:effectLst/>
+                <a:latin typeface="Times New Roman" pitchFamily="16" charset="0"/>
+                <a:ea typeface="+mn-ea"/>
+                <a:cs typeface="+mn-cs"/>
+              </a:rPr>
+              <a:t>The ability to enhance the system by adding new functionality at minimal effort</a:t>
+            </a:r>
+            <a:endParaRPr lang="en-US" dirty="0" smtClean="0"/>
+          </a:p>
+          <a:p>
+            <a:pPr marL="0" marR="0" indent="0" algn="l" defTabSz="457200" rtl="0" eaLnBrk="1" fontAlgn="base" latinLnBrk="0" hangingPunct="1">
+              <a:lnSpc>
+                <a:spcPct val="100000"/>
+              </a:lnSpc>
+              <a:spcBef>
+                <a:spcPct val="30000"/>
+              </a:spcBef>
+              <a:spcAft>
+                <a:spcPct val="0"/>
+              </a:spcAft>
+              <a:buClr>
+                <a:srgbClr val="000000"/>
+              </a:buClr>
+              <a:buSzPct val="100000"/>
+              <a:buFont typeface="Times New Roman" pitchFamily="16" charset="0"/>
+              <a:buNone/>
+              <a:tabLst/>
+              <a:defRPr/>
+            </a:pPr>
+            <a:r>
+              <a:rPr lang="en-US" dirty="0" smtClean="0"/>
+              <a:t>Both are the latest technology</a:t>
             </a:r>
             <a:r>
               <a:rPr lang="en-US" baseline="0" dirty="0" smtClean="0"/>
-              <a:t> http GET, go to browser and show a demo for the </a:t>
+              <a:t> in their respective fields, don’t mention about </a:t>
             </a:r>
             <a:r>
               <a:rPr lang="en-US" baseline="0" dirty="0" err="1" smtClean="0"/>
-              <a:t>localhost</a:t>
+              <a:t>nodejs</a:t>
             </a:r>
             <a:r>
               <a:rPr lang="en-US" baseline="0" dirty="0" smtClean="0"/>
-              <a:t> call</a:t>
-            </a:r>
-            <a:endParaRPr lang="en-US" dirty="0"/>
+              <a:t>, and other stuff.</a:t>
+            </a:r>
+            <a:endParaRPr lang="en-US" dirty="0" smtClean="0"/>
           </a:p>
         </p:txBody>
       </p:sp>
@@ -2117,7 +2270,7 @@
             <a:fld id="{FE4620FC-5404-4E8D-AA15-7C685E11D267}" type="slidenum">
               <a:rPr lang="en-GB" smtClean="0"/>
               <a:pPr/>
-              <a:t>4</a:t>
+              <a:t>3</a:t>
             </a:fld>
             <a:endParaRPr lang="en-GB"/>
           </a:p>
@@ -2126,7 +2279,7 @@
     </p:spTree>
     <p:extLst>
       <p:ext uri="{BB962C8B-B14F-4D97-AF65-F5344CB8AC3E}">
-        <p14:creationId xmlns:p14="http://schemas.microsoft.com/office/powerpoint/2010/main" val="4173012053"/>
+        <p14:creationId xmlns:p14="http://schemas.microsoft.com/office/powerpoint/2010/main" val="102717744"/>
       </p:ext>
     </p:extLst>
   </p:cSld>
@@ -2185,14 +2338,7 @@
           <a:bodyPr/>
           <a:lstStyle/>
           <a:p>
-            <a:r>
-              <a:rPr lang="en-US" dirty="0" smtClean="0"/>
-              <a:t>Show how the compiler simply dumps stuff, and you extract</a:t>
-            </a:r>
-            <a:r>
-              <a:rPr lang="en-US" baseline="0" dirty="0" smtClean="0"/>
-              <a:t> useful information out of it, by parsing it.</a:t>
-            </a:r>
+            <a:endParaRPr lang="en-US" dirty="0"/>
           </a:p>
         </p:txBody>
       </p:sp>
@@ -2214,7 +2360,7 @@
             <a:fld id="{FE4620FC-5404-4E8D-AA15-7C685E11D267}" type="slidenum">
               <a:rPr lang="en-GB" smtClean="0"/>
               <a:pPr/>
-              <a:t>5</a:t>
+              <a:t>4</a:t>
             </a:fld>
             <a:endParaRPr lang="en-GB"/>
           </a:p>
@@ -2223,7 +2369,7 @@
     </p:spTree>
     <p:extLst>
       <p:ext uri="{BB962C8B-B14F-4D97-AF65-F5344CB8AC3E}">
-        <p14:creationId xmlns:p14="http://schemas.microsoft.com/office/powerpoint/2010/main" val="573401806"/>
+        <p14:creationId xmlns:p14="http://schemas.microsoft.com/office/powerpoint/2010/main" val="4173012053"/>
       </p:ext>
     </p:extLst>
   </p:cSld>
@@ -2284,13 +2430,53 @@
           <a:p>
             <a:r>
               <a:rPr lang="en-US" dirty="0" smtClean="0"/>
-              <a:t>Warnings and Runtime</a:t>
+              <a:t>Show how the compiler simply dumps stuff, and you extract</a:t>
             </a:r>
             <a:r>
               <a:rPr lang="en-US" baseline="0" dirty="0" smtClean="0"/>
-              <a:t> Error also have such JSON parsing</a:t>
-            </a:r>
-            <a:endParaRPr lang="en-US" dirty="0"/>
+              <a:t> useful information out of it, by parsing it.</a:t>
+            </a:r>
+          </a:p>
+          <a:p>
+            <a:pPr marL="0" marR="0" indent="0" algn="l" defTabSz="457200" rtl="0" eaLnBrk="1" fontAlgn="base" latinLnBrk="0" hangingPunct="1">
+              <a:lnSpc>
+                <a:spcPct val="100000"/>
+              </a:lnSpc>
+              <a:spcBef>
+                <a:spcPct val="30000"/>
+              </a:spcBef>
+              <a:spcAft>
+                <a:spcPct val="0"/>
+              </a:spcAft>
+              <a:buClr>
+                <a:srgbClr val="000000"/>
+              </a:buClr>
+              <a:buSzPct val="100000"/>
+              <a:buFont typeface="Times New Roman" pitchFamily="16" charset="0"/>
+              <a:buNone/>
+              <a:tabLst/>
+              <a:defRPr/>
+            </a:pPr>
+            <a:r>
+              <a:rPr lang="en-US" dirty="0" smtClean="0"/>
+              <a:t>After</a:t>
+            </a:r>
+            <a:r>
+              <a:rPr lang="en-US" baseline="0" dirty="0" smtClean="0"/>
+              <a:t> http GET, go to browser and show a demo for the </a:t>
+            </a:r>
+            <a:r>
+              <a:rPr lang="en-US" baseline="0" dirty="0" err="1" smtClean="0"/>
+              <a:t>localhost</a:t>
+            </a:r>
+            <a:r>
+              <a:rPr lang="en-US" baseline="0" dirty="0" smtClean="0"/>
+              <a:t> call</a:t>
+            </a:r>
+            <a:endParaRPr lang="en-US" dirty="0" smtClean="0"/>
+          </a:p>
+          <a:p>
+            <a:endParaRPr lang="en-US" baseline="0" dirty="0" smtClean="0"/>
           </a:p>
         </p:txBody>
       </p:sp>
@@ -2312,7 +2498,7 @@
             <a:fld id="{FE4620FC-5404-4E8D-AA15-7C685E11D267}" type="slidenum">
               <a:rPr lang="en-GB" smtClean="0"/>
               <a:pPr/>
-              <a:t>6</a:t>
+              <a:t>5</a:t>
             </a:fld>
             <a:endParaRPr lang="en-GB"/>
           </a:p>
@@ -2321,7 +2507,7 @@
     </p:spTree>
     <p:extLst>
       <p:ext uri="{BB962C8B-B14F-4D97-AF65-F5344CB8AC3E}">
-        <p14:creationId xmlns:p14="http://schemas.microsoft.com/office/powerpoint/2010/main" val="1226300300"/>
+        <p14:creationId xmlns:p14="http://schemas.microsoft.com/office/powerpoint/2010/main" val="573401806"/>
       </p:ext>
     </p:extLst>
   </p:cSld>
@@ -2380,6 +2566,63 @@
           <a:bodyPr/>
           <a:lstStyle/>
           <a:p>
+            <a:r>
+              <a:rPr lang="en-US" dirty="0" smtClean="0"/>
+              <a:t>Warnings and Runtime</a:t>
+            </a:r>
+            <a:r>
+              <a:rPr lang="en-US" baseline="0" dirty="0" smtClean="0"/>
+              <a:t> Error also have such JSON </a:t>
+            </a:r>
+            <a:r>
+              <a:rPr lang="en-US" baseline="0" dirty="0" smtClean="0"/>
+              <a:t>parsing</a:t>
+            </a:r>
+          </a:p>
+          <a:p>
+            <a:r>
+              <a:rPr lang="en-US" dirty="0" smtClean="0"/>
+              <a:t>Show the </a:t>
+            </a:r>
+            <a:r>
+              <a:rPr lang="en-US" baseline="0" dirty="0" smtClean="0"/>
+              <a:t>frontend, done and built in </a:t>
+            </a:r>
+            <a:r>
+              <a:rPr lang="en-US" baseline="0" dirty="0" err="1" smtClean="0"/>
+              <a:t>angularjs</a:t>
+            </a:r>
+            <a:r>
+              <a:rPr lang="en-US" baseline="0" dirty="0" smtClean="0"/>
+              <a:t>. Say it is only for testing and will not be merged with </a:t>
+            </a:r>
+            <a:r>
+              <a:rPr lang="en-US" baseline="0" dirty="0" err="1" smtClean="0"/>
+              <a:t>CloudStudio</a:t>
+            </a:r>
+            <a:r>
+              <a:rPr lang="en-US" baseline="0" dirty="0" smtClean="0"/>
+              <a:t>.</a:t>
+            </a:r>
+          </a:p>
+          <a:p>
+            <a:r>
+              <a:rPr lang="en-US" baseline="0" dirty="0" smtClean="0"/>
+              <a:t>Give a brief demo of all the features.</a:t>
+            </a:r>
+          </a:p>
+          <a:p>
+            <a:r>
+              <a:rPr lang="en-US" baseline="0" dirty="0" smtClean="0"/>
+              <a:t>Use interesting and known classes, like LINKED </a:t>
+            </a:r>
+            <a:r>
+              <a:rPr lang="en-US" baseline="0" dirty="0" err="1" smtClean="0"/>
+              <a:t>LIST,etc</a:t>
+            </a:r>
+            <a:endParaRPr lang="en-US" dirty="0" smtClean="0"/>
+          </a:p>
+          <a:p>
             <a:endParaRPr lang="en-US" dirty="0"/>
           </a:p>
         </p:txBody>
@@ -2402,7 +2645,7 @@
             <a:fld id="{FE4620FC-5404-4E8D-AA15-7C685E11D267}" type="slidenum">
               <a:rPr lang="en-GB" smtClean="0"/>
               <a:pPr/>
-              <a:t>7</a:t>
+              <a:t>6</a:t>
             </a:fld>
             <a:endParaRPr lang="en-GB"/>
           </a:p>
@@ -2411,7 +2654,7 @@
     </p:spTree>
     <p:extLst>
       <p:ext uri="{BB962C8B-B14F-4D97-AF65-F5344CB8AC3E}">
-        <p14:creationId xmlns:p14="http://schemas.microsoft.com/office/powerpoint/2010/main" val="230458265"/>
+        <p14:creationId xmlns:p14="http://schemas.microsoft.com/office/powerpoint/2010/main" val="1226300300"/>
       </p:ext>
     </p:extLst>
   </p:cSld>
@@ -2470,46 +2713,6 @@
           <a:bodyPr/>
           <a:lstStyle/>
           <a:p>
-            <a:r>
-              <a:rPr lang="en-US" dirty="0" smtClean="0"/>
-              <a:t>Show the </a:t>
-            </a:r>
-            <a:r>
-              <a:rPr lang="en-US" baseline="0" dirty="0" smtClean="0"/>
-              <a:t>frontend, done and built in </a:t>
-            </a:r>
-            <a:r>
-              <a:rPr lang="en-US" baseline="0" dirty="0" err="1" smtClean="0"/>
-              <a:t>angularjs</a:t>
-            </a:r>
-            <a:r>
-              <a:rPr lang="en-US" baseline="0" dirty="0" smtClean="0"/>
-              <a:t>. Say it is only for testing and will not be merged with </a:t>
-            </a:r>
-            <a:r>
-              <a:rPr lang="en-US" baseline="0" dirty="0" err="1" smtClean="0"/>
-              <a:t>CloudStudio</a:t>
-            </a:r>
-            <a:r>
-              <a:rPr lang="en-US" baseline="0" dirty="0" smtClean="0"/>
-              <a:t>.</a:t>
-            </a:r>
-          </a:p>
-          <a:p>
-            <a:r>
-              <a:rPr lang="en-US" baseline="0" dirty="0" smtClean="0"/>
-              <a:t>Give a brief demo of all the features.</a:t>
-            </a:r>
-          </a:p>
-          <a:p>
-            <a:r>
-              <a:rPr lang="en-US" baseline="0" dirty="0" smtClean="0"/>
-              <a:t>Use interesting and known classes, like LINKED </a:t>
-            </a:r>
-            <a:r>
-              <a:rPr lang="en-US" baseline="0" dirty="0" err="1" smtClean="0"/>
-              <a:t>LIST,etc</a:t>
-            </a:r>
             <a:endParaRPr lang="en-US" dirty="0"/>
           </a:p>
         </p:txBody>
@@ -2532,7 +2735,7 @@
             <a:fld id="{FE4620FC-5404-4E8D-AA15-7C685E11D267}" type="slidenum">
               <a:rPr lang="en-GB" smtClean="0"/>
               <a:pPr/>
-              <a:t>8</a:t>
+              <a:t>7</a:t>
             </a:fld>
             <a:endParaRPr lang="en-GB"/>
           </a:p>
@@ -2541,7 +2744,7 @@
     </p:spTree>
     <p:extLst>
       <p:ext uri="{BB962C8B-B14F-4D97-AF65-F5344CB8AC3E}">
-        <p14:creationId xmlns:p14="http://schemas.microsoft.com/office/powerpoint/2010/main" val="1073770291"/>
+        <p14:creationId xmlns:p14="http://schemas.microsoft.com/office/powerpoint/2010/main" val="230458265"/>
       </p:ext>
     </p:extLst>
   </p:cSld>
@@ -2600,20 +2803,6 @@
           <a:bodyPr/>
           <a:lstStyle/>
           <a:p>
-            <a:r>
-              <a:rPr lang="en-US" dirty="0" smtClean="0"/>
-              <a:t>Now after all that is achieved,</a:t>
-            </a:r>
-            <a:r>
-              <a:rPr lang="en-US" baseline="0" dirty="0" smtClean="0"/>
-              <a:t> we moved to the next step to see if dynamic interaction was possible between the user and the service. Talk about Eiffel Web Sockets, relatively new.</a:t>
-            </a:r>
-          </a:p>
-          <a:p>
-            <a:r>
-              <a:rPr lang="en-US" baseline="0" dirty="0" smtClean="0"/>
-              <a:t>First give a demo and then show the slide.</a:t>
-            </a:r>
             <a:endParaRPr lang="en-US" dirty="0"/>
           </a:p>
         </p:txBody>
@@ -2636,7 +2825,7 @@
             <a:fld id="{FE4620FC-5404-4E8D-AA15-7C685E11D267}" type="slidenum">
               <a:rPr lang="en-GB" smtClean="0"/>
               <a:pPr/>
-              <a:t>9</a:t>
+              <a:t>8</a:t>
             </a:fld>
             <a:endParaRPr lang="en-GB"/>
           </a:p>
@@ -2645,7 +2834,7 @@
     </p:spTree>
     <p:extLst>
       <p:ext uri="{BB962C8B-B14F-4D97-AF65-F5344CB8AC3E}">
-        <p14:creationId xmlns:p14="http://schemas.microsoft.com/office/powerpoint/2010/main" val="427829043"/>
+        <p14:creationId xmlns:p14="http://schemas.microsoft.com/office/powerpoint/2010/main" val="1073770291"/>
       </p:ext>
     </p:extLst>
   </p:cSld>
@@ -2704,23 +2893,7 @@
           <a:bodyPr/>
           <a:lstStyle/>
           <a:p>
-            <a:r>
-              <a:rPr lang="en-US" dirty="0" smtClean="0"/>
-              <a:t>Why useful to have a timeout?</a:t>
-            </a:r>
-          </a:p>
-          <a:p>
-            <a:endParaRPr lang="en-US" dirty="0" smtClean="0"/>
-          </a:p>
-          <a:p>
-            <a:r>
-              <a:rPr lang="en-US" dirty="0" smtClean="0"/>
-              <a:t>Why useful to delete old</a:t>
-            </a:r>
-            <a:r>
-              <a:rPr lang="en-US" baseline="0" dirty="0" smtClean="0"/>
-              <a:t> projects?</a:t>
-            </a:r>
+            <a:endParaRPr lang="en-US" dirty="0"/>
           </a:p>
         </p:txBody>
       </p:sp>
@@ -2742,7 +2915,7 @@
             <a:fld id="{FE4620FC-5404-4E8D-AA15-7C685E11D267}" type="slidenum">
               <a:rPr lang="en-GB" smtClean="0"/>
               <a:pPr/>
-              <a:t>10</a:t>
+              <a:t>9</a:t>
             </a:fld>
             <a:endParaRPr lang="en-GB"/>
           </a:p>
@@ -2751,7 +2924,7 @@
     </p:spTree>
     <p:extLst>
       <p:ext uri="{BB962C8B-B14F-4D97-AF65-F5344CB8AC3E}">
-        <p14:creationId xmlns:p14="http://schemas.microsoft.com/office/powerpoint/2010/main" val="1532107768"/>
+        <p14:creationId xmlns:p14="http://schemas.microsoft.com/office/powerpoint/2010/main" val="427829043"/>
       </p:ext>
     </p:extLst>
   </p:cSld>
@@ -8125,6 +8298,13 @@
             <a:r>
               <a:rPr lang="en-US" dirty="0" smtClean="0"/>
               <a:t>2 sprints</a:t>
+            </a:r>
+          </a:p>
+          <a:p>
+            <a:pPr lvl="1"/>
+            <a:r>
+              <a:rPr lang="en-US" dirty="0" smtClean="0"/>
+              <a:t>19 user stories implemented</a:t>
             </a:r>
             <a:endParaRPr lang="en-US" dirty="0"/>
           </a:p>
@@ -9062,6 +9242,67 @@
                       </p:childTnLst>
                     </p:cTn>
                   </p:par>
+                  <p:par>
+                    <p:cTn id="53" fill="hold">
+                      <p:stCondLst>
+                        <p:cond delay="indefinite"/>
+                      </p:stCondLst>
+                      <p:childTnLst>
+                        <p:par>
+                          <p:cTn id="54" fill="hold">
+                            <p:stCondLst>
+                              <p:cond delay="0"/>
+                            </p:stCondLst>
+                            <p:childTnLst>
+                              <p:par>
+                                <p:cTn id="55" presetID="10" presetClass="entr" presetSubtype="0" fill="hold" nodeType="clickEffect">
+                                  <p:stCondLst>
+                                    <p:cond delay="0"/>
+                                  </p:stCondLst>
+                                  <p:childTnLst>
+                                    <p:set>
+                                      <p:cBhvr>
+                                        <p:cTn id="56" dur="1" fill="hold">
+                                          <p:stCondLst>
+                                            <p:cond delay="0"/>
+                                          </p:stCondLst>
+                                        </p:cTn>
+                                        <p:tgtEl>
+                                          <p:spTgt spid="3">
+                                            <p:txEl>
+                                              <p:pRg st="9" end="9"/>
+                                            </p:txEl>
+                                          </p:spTgt>
+                                        </p:tgtEl>
+                                        <p:attrNameLst>
+                                          <p:attrName>style.visibility</p:attrName>
+                                        </p:attrNameLst>
+                                      </p:cBhvr>
+                                      <p:to>
+                                        <p:strVal val="visible"/>
+                                      </p:to>
+                                    </p:set>
+                                    <p:animEffect transition="in" filter="fade">
+                                      <p:cBhvr>
+                                        <p:cTn id="57" dur="500"/>
+                                        <p:tgtEl>
+                                          <p:spTgt spid="3">
+                                            <p:txEl>
+                                              <p:pRg st="9" end="9"/>
+                                            </p:txEl>
+                                          </p:spTgt>
+                                        </p:tgtEl>
+                                      </p:cBhvr>
+                                    </p:animEffect>
+                                  </p:childTnLst>
+                                </p:cTn>
+                              </p:par>
+                            </p:childTnLst>
+                          </p:cTn>
+                        </p:par>
+                      </p:childTnLst>
+                    </p:cTn>
+                  </p:par>
                 </p:childTnLst>
               </p:cTn>
               <p:prevCondLst>
@@ -10424,7 +10665,7 @@
           <p:nvPr/>
         </p:nvPicPr>
         <p:blipFill>
-          <a:blip r:embed="rId2" cstate="print">
+          <a:blip r:embed="rId3" cstate="print">
             <a:extLst>
               <a:ext uri="{28A0092B-C50C-407E-A947-70E740481C1C}">
                 <a14:useLocalDpi xmlns:a14="http://schemas.microsoft.com/office/drawing/2010/main" val="0"/>
@@ -10617,7 +10858,7 @@
           <p:nvPr/>
         </p:nvPicPr>
         <p:blipFill>
-          <a:blip r:embed="rId3" cstate="print">
+          <a:blip r:embed="rId4" cstate="print">
             <a:extLst>
               <a:ext uri="{28A0092B-C50C-407E-A947-70E740481C1C}">
                 <a14:useLocalDpi xmlns:a14="http://schemas.microsoft.com/office/drawing/2010/main" val="0"/>
@@ -10989,7 +11230,7 @@
           <p:nvPr/>
         </p:nvPicPr>
         <p:blipFill>
-          <a:blip r:embed="rId2" cstate="print">
+          <a:blip r:embed="rId3" cstate="print">
             <a:extLst>
               <a:ext uri="{28A0092B-C50C-407E-A947-70E740481C1C}">
                 <a14:useLocalDpi xmlns:a14="http://schemas.microsoft.com/office/drawing/2010/main" val="0"/>
@@ -11145,7 +11386,7 @@
           <p:nvPr/>
         </p:nvPicPr>
         <p:blipFill>
-          <a:blip r:embed="rId3" cstate="print">
+          <a:blip r:embed="rId4" cstate="print">
             <a:extLst>
               <a:ext uri="{28A0092B-C50C-407E-A947-70E740481C1C}">
                 <a14:useLocalDpi xmlns:a14="http://schemas.microsoft.com/office/drawing/2010/main" val="0"/>
@@ -11342,7 +11583,7 @@
           <p:nvPr/>
         </p:nvPicPr>
         <p:blipFill>
-          <a:blip r:embed="rId4" cstate="print">
+          <a:blip r:embed="rId5" cstate="print">
             <a:extLst>
               <a:ext uri="{28A0092B-C50C-407E-A947-70E740481C1C}">
                 <a14:useLocalDpi xmlns:a14="http://schemas.microsoft.com/office/drawing/2010/main" val="0"/>
@@ -12888,23 +13129,26 @@
             </a:r>
             <a:r>
               <a:rPr lang="en-US" dirty="0" smtClean="0"/>
-              <a:t>scalability</a:t>
+              <a:t>scalability, as more languages can be added, without overloading the </a:t>
+            </a:r>
+            <a:r>
+              <a:rPr lang="en-US" dirty="0" err="1" smtClean="0"/>
+              <a:t>CloudStudio</a:t>
+            </a:r>
+            <a:r>
+              <a:rPr lang="en-US" smtClean="0"/>
+              <a:t> server</a:t>
+            </a:r>
+          </a:p>
+          <a:p>
+            <a:pPr lvl="1"/>
+            <a:r>
+              <a:rPr lang="en-US" dirty="0" smtClean="0"/>
+              <a:t>Mantra can </a:t>
             </a:r>
             <a:r>
               <a:rPr lang="en-US" dirty="0"/>
-              <a:t>, by handling multiple requests for the various </a:t>
-            </a:r>
-            <a:r>
-              <a:rPr lang="en-US" dirty="0" smtClean="0"/>
-              <a:t>functions</a:t>
-            </a:r>
-            <a:endParaRPr lang="en-US" dirty="0"/>
-          </a:p>
-          <a:p>
-            <a:pPr lvl="1"/>
-            <a:r>
-              <a:rPr lang="en-US" dirty="0"/>
-              <a:t>Can be used for any other purpose, which needs a </a:t>
+              <a:t>be used for any other purpose, which needs a </a:t>
             </a:r>
             <a:r>
               <a:rPr lang="en-US" dirty="0" smtClean="0"/>
